--- a/pptx/flyer-a4-landscape-simplex.pptx
+++ b/pptx/flyer-a4-landscape-simplex.pptx
@@ -193,7 +193,7 @@
             <a:fld id="{F4CB98A5-7A49-4893-8381-FFEEBF627BAE}" type="datetimeFigureOut">
               <a:rPr lang="en-US" smtClean="0"/>
               <a:pPr/>
-              <a:t>4/22/2022</a:t>
+              <a:t>4/4/2023</a:t>
             </a:fld>
             <a:endParaRPr lang="en-US"/>
           </a:p>
@@ -723,7 +723,7 @@
             <a:fld id="{FFAEE2A6-3326-4110-86FD-7999FAF84882}" type="datetimeFigureOut">
               <a:rPr lang="en-US" smtClean="0"/>
               <a:pPr/>
-              <a:t>4/22/2022</a:t>
+              <a:t>4/4/2023</a:t>
             </a:fld>
             <a:endParaRPr lang="en-US"/>
           </a:p>
@@ -890,7 +890,7 @@
             <a:fld id="{FFAEE2A6-3326-4110-86FD-7999FAF84882}" type="datetimeFigureOut">
               <a:rPr lang="en-US" smtClean="0"/>
               <a:pPr/>
-              <a:t>4/22/2022</a:t>
+              <a:t>4/4/2023</a:t>
             </a:fld>
             <a:endParaRPr lang="en-US"/>
           </a:p>
@@ -1067,7 +1067,7 @@
             <a:fld id="{FFAEE2A6-3326-4110-86FD-7999FAF84882}" type="datetimeFigureOut">
               <a:rPr lang="en-US" smtClean="0"/>
               <a:pPr/>
-              <a:t>4/22/2022</a:t>
+              <a:t>4/4/2023</a:t>
             </a:fld>
             <a:endParaRPr lang="en-US"/>
           </a:p>
@@ -1234,7 +1234,7 @@
             <a:fld id="{FFAEE2A6-3326-4110-86FD-7999FAF84882}" type="datetimeFigureOut">
               <a:rPr lang="en-US" smtClean="0"/>
               <a:pPr/>
-              <a:t>4/22/2022</a:t>
+              <a:t>4/4/2023</a:t>
             </a:fld>
             <a:endParaRPr lang="en-US"/>
           </a:p>
@@ -1477,7 +1477,7 @@
             <a:fld id="{FFAEE2A6-3326-4110-86FD-7999FAF84882}" type="datetimeFigureOut">
               <a:rPr lang="en-US" smtClean="0"/>
               <a:pPr/>
-              <a:t>4/22/2022</a:t>
+              <a:t>4/4/2023</a:t>
             </a:fld>
             <a:endParaRPr lang="en-US"/>
           </a:p>
@@ -1762,7 +1762,7 @@
             <a:fld id="{FFAEE2A6-3326-4110-86FD-7999FAF84882}" type="datetimeFigureOut">
               <a:rPr lang="en-US" smtClean="0"/>
               <a:pPr/>
-              <a:t>4/22/2022</a:t>
+              <a:t>4/4/2023</a:t>
             </a:fld>
             <a:endParaRPr lang="en-US"/>
           </a:p>
@@ -2181,7 +2181,7 @@
             <a:fld id="{FFAEE2A6-3326-4110-86FD-7999FAF84882}" type="datetimeFigureOut">
               <a:rPr lang="en-US" smtClean="0"/>
               <a:pPr/>
-              <a:t>4/22/2022</a:t>
+              <a:t>4/4/2023</a:t>
             </a:fld>
             <a:endParaRPr lang="en-US"/>
           </a:p>
@@ -2296,7 +2296,7 @@
             <a:fld id="{FFAEE2A6-3326-4110-86FD-7999FAF84882}" type="datetimeFigureOut">
               <a:rPr lang="en-US" smtClean="0"/>
               <a:pPr/>
-              <a:t>4/22/2022</a:t>
+              <a:t>4/4/2023</a:t>
             </a:fld>
             <a:endParaRPr lang="en-US"/>
           </a:p>
@@ -2388,7 +2388,7 @@
             <a:fld id="{FFAEE2A6-3326-4110-86FD-7999FAF84882}" type="datetimeFigureOut">
               <a:rPr lang="en-US" smtClean="0"/>
               <a:pPr/>
-              <a:t>4/22/2022</a:t>
+              <a:t>4/4/2023</a:t>
             </a:fld>
             <a:endParaRPr lang="en-US"/>
           </a:p>
@@ -2662,7 +2662,7 @@
             <a:fld id="{FFAEE2A6-3326-4110-86FD-7999FAF84882}" type="datetimeFigureOut">
               <a:rPr lang="en-US" smtClean="0"/>
               <a:pPr/>
-              <a:t>4/22/2022</a:t>
+              <a:t>4/4/2023</a:t>
             </a:fld>
             <a:endParaRPr lang="en-US"/>
           </a:p>
@@ -2912,7 +2912,7 @@
             <a:fld id="{FFAEE2A6-3326-4110-86FD-7999FAF84882}" type="datetimeFigureOut">
               <a:rPr lang="en-US" smtClean="0"/>
               <a:pPr/>
-              <a:t>4/22/2022</a:t>
+              <a:t>4/4/2023</a:t>
             </a:fld>
             <a:endParaRPr lang="en-US"/>
           </a:p>
@@ -3122,7 +3122,7 @@
             <a:fld id="{FFAEE2A6-3326-4110-86FD-7999FAF84882}" type="datetimeFigureOut">
               <a:rPr lang="en-US" smtClean="0"/>
               <a:pPr/>
-              <a:t>4/22/2022</a:t>
+              <a:t>4/4/2023</a:t>
             </a:fld>
             <a:endParaRPr lang="en-US"/>
           </a:p>
@@ -3571,7 +3571,6 @@
               <a:rPr lang="pl-PL" sz="1600" dirty="0" smtClean="0"/>
               <a:t>${body_instruction_text}</a:t>
             </a:r>
-            <a:endParaRPr lang="pl-PL" sz="1600" dirty="0" smtClean="0"/>
           </a:p>
         </p:txBody>
       </p:sp>
@@ -3624,7 +3623,7 @@
               </a:ln>
             </p:spPr>
             <p:txBody>
-              <a:bodyPr vert="vert" wrap="none" lIns="45720" tIns="182880" rIns="45720" bIns="0" rtlCol="0">
+              <a:bodyPr vert="vert" wrap="none" lIns="45720" tIns="274320" rIns="45720" bIns="0" rtlCol="0">
                 <a:normAutofit/>
               </a:bodyPr>
               <a:lstStyle/>
@@ -3644,18 +3643,6 @@
                   </a:rPr>
                   <a:t>${tab_12_heading}</a:t>
                 </a:r>
-                <a:endParaRPr lang="pl-PL" sz="1000" u="sng" dirty="0" smtClean="0">
-                  <a:uFill>
-                    <a:solidFill>
-                      <a:schemeClr val="tx1">
-                        <a:lumMod val="50000"/>
-                        <a:lumOff val="50000"/>
-                      </a:schemeClr>
-                    </a:solidFill>
-                  </a:uFill>
-                  <a:latin typeface="Calibri Light" pitchFamily="34" charset="0"/>
-                  <a:cs typeface="Calibri Light" pitchFamily="34" charset="0"/>
-                </a:endParaRPr>
               </a:p>
               <a:p>
                 <a:r>
@@ -3665,10 +3652,6 @@
                   </a:rPr>
                   <a:t>${tab_12_line_1}</a:t>
                 </a:r>
-                <a:endParaRPr lang="pl-PL" sz="1000" dirty="0" smtClean="0">
-                  <a:latin typeface="Calibri Light" pitchFamily="34" charset="0"/>
-                  <a:cs typeface="Calibri Light" pitchFamily="34" charset="0"/>
-                </a:endParaRPr>
               </a:p>
               <a:p>
                 <a:r>
@@ -3719,7 +3702,7 @@
               </a:ln>
             </p:spPr>
             <p:txBody>
-              <a:bodyPr vert="vert" wrap="none" lIns="45720" tIns="182880" rIns="45720" bIns="0" rtlCol="0">
+              <a:bodyPr vert="vert" wrap="none" lIns="45720" tIns="274320" rIns="45720" bIns="0" rtlCol="0">
                 <a:normAutofit/>
               </a:bodyPr>
               <a:lstStyle/>
@@ -3739,18 +3722,6 @@
                   </a:rPr>
                   <a:t>${tab_11_heading}</a:t>
                 </a:r>
-                <a:endParaRPr lang="pl-PL" sz="1000" u="sng" dirty="0" smtClean="0">
-                  <a:uFill>
-                    <a:solidFill>
-                      <a:schemeClr val="tx1">
-                        <a:lumMod val="50000"/>
-                        <a:lumOff val="50000"/>
-                      </a:schemeClr>
-                    </a:solidFill>
-                  </a:uFill>
-                  <a:latin typeface="Calibri Light" pitchFamily="34" charset="0"/>
-                  <a:cs typeface="Calibri Light" pitchFamily="34" charset="0"/>
-                </a:endParaRPr>
               </a:p>
               <a:p>
                 <a:r>
@@ -3760,10 +3731,6 @@
                   </a:rPr>
                   <a:t>${tab_11_line_1}</a:t>
                 </a:r>
-                <a:endParaRPr lang="pl-PL" sz="1000" dirty="0" smtClean="0">
-                  <a:latin typeface="Calibri Light" pitchFamily="34" charset="0"/>
-                  <a:cs typeface="Calibri Light" pitchFamily="34" charset="0"/>
-                </a:endParaRPr>
               </a:p>
               <a:p>
                 <a:r>
@@ -3814,7 +3781,7 @@
               </a:ln>
             </p:spPr>
             <p:txBody>
-              <a:bodyPr vert="vert" wrap="none" lIns="45720" tIns="182880" rIns="45720" bIns="0" rtlCol="0">
+              <a:bodyPr vert="vert" wrap="none" lIns="45720" tIns="274320" rIns="45720" bIns="0" rtlCol="0">
                 <a:normAutofit/>
               </a:bodyPr>
               <a:lstStyle/>
@@ -3834,18 +3801,6 @@
                   </a:rPr>
                   <a:t>${tab_10_heading}</a:t>
                 </a:r>
-                <a:endParaRPr lang="pl-PL" sz="1000" u="sng" dirty="0" smtClean="0">
-                  <a:uFill>
-                    <a:solidFill>
-                      <a:schemeClr val="tx1">
-                        <a:lumMod val="50000"/>
-                        <a:lumOff val="50000"/>
-                      </a:schemeClr>
-                    </a:solidFill>
-                  </a:uFill>
-                  <a:latin typeface="Calibri Light" pitchFamily="34" charset="0"/>
-                  <a:cs typeface="Calibri Light" pitchFamily="34" charset="0"/>
-                </a:endParaRPr>
               </a:p>
               <a:p>
                 <a:r>
@@ -3855,10 +3810,6 @@
                   </a:rPr>
                   <a:t>${tab_10_line_1}</a:t>
                 </a:r>
-                <a:endParaRPr lang="pl-PL" sz="1000" dirty="0" smtClean="0">
-                  <a:latin typeface="Calibri Light" pitchFamily="34" charset="0"/>
-                  <a:cs typeface="Calibri Light" pitchFamily="34" charset="0"/>
-                </a:endParaRPr>
               </a:p>
               <a:p>
                 <a:r>
@@ -3909,7 +3860,7 @@
               </a:ln>
             </p:spPr>
             <p:txBody>
-              <a:bodyPr vert="vert" wrap="none" lIns="45720" tIns="182880" rIns="45720" bIns="0" rtlCol="0">
+              <a:bodyPr vert="vert" wrap="none" lIns="45720" tIns="274320" rIns="45720" bIns="0" rtlCol="0">
                 <a:normAutofit/>
               </a:bodyPr>
               <a:lstStyle/>
@@ -3929,18 +3880,6 @@
                   </a:rPr>
                   <a:t>${tab_9_heading}</a:t>
                 </a:r>
-                <a:endParaRPr lang="pl-PL" sz="1000" u="sng" dirty="0" smtClean="0">
-                  <a:uFill>
-                    <a:solidFill>
-                      <a:schemeClr val="tx1">
-                        <a:lumMod val="50000"/>
-                        <a:lumOff val="50000"/>
-                      </a:schemeClr>
-                    </a:solidFill>
-                  </a:uFill>
-                  <a:latin typeface="Calibri Light" pitchFamily="34" charset="0"/>
-                  <a:cs typeface="Calibri Light" pitchFamily="34" charset="0"/>
-                </a:endParaRPr>
               </a:p>
               <a:p>
                 <a:r>
@@ -3950,10 +3889,6 @@
                   </a:rPr>
                   <a:t>${tab_9_line_1}</a:t>
                 </a:r>
-                <a:endParaRPr lang="pl-PL" sz="1000" dirty="0" smtClean="0">
-                  <a:latin typeface="Calibri Light" pitchFamily="34" charset="0"/>
-                  <a:cs typeface="Calibri Light" pitchFamily="34" charset="0"/>
-                </a:endParaRPr>
               </a:p>
               <a:p>
                 <a:r>
@@ -4004,7 +3939,7 @@
               </a:ln>
             </p:spPr>
             <p:txBody>
-              <a:bodyPr vert="vert" wrap="none" lIns="45720" tIns="182880" rIns="45720" bIns="0" rtlCol="0">
+              <a:bodyPr vert="vert" wrap="none" lIns="45720" tIns="274320" rIns="45720" bIns="0" rtlCol="0">
                 <a:normAutofit/>
               </a:bodyPr>
               <a:lstStyle/>
@@ -4024,18 +3959,6 @@
                   </a:rPr>
                   <a:t>${tab_8_heading}</a:t>
                 </a:r>
-                <a:endParaRPr lang="pl-PL" sz="1000" u="sng" dirty="0" smtClean="0">
-                  <a:uFill>
-                    <a:solidFill>
-                      <a:schemeClr val="tx1">
-                        <a:lumMod val="50000"/>
-                        <a:lumOff val="50000"/>
-                      </a:schemeClr>
-                    </a:solidFill>
-                  </a:uFill>
-                  <a:latin typeface="Calibri Light" pitchFamily="34" charset="0"/>
-                  <a:cs typeface="Calibri Light" pitchFamily="34" charset="0"/>
-                </a:endParaRPr>
               </a:p>
               <a:p>
                 <a:r>
@@ -4045,10 +3968,6 @@
                   </a:rPr>
                   <a:t>${tab_8_line_1}</a:t>
                 </a:r>
-                <a:endParaRPr lang="pl-PL" sz="1000" dirty="0" smtClean="0">
-                  <a:latin typeface="Calibri Light" pitchFamily="34" charset="0"/>
-                  <a:cs typeface="Calibri Light" pitchFamily="34" charset="0"/>
-                </a:endParaRPr>
               </a:p>
               <a:p>
                 <a:r>
@@ -4099,7 +4018,7 @@
               </a:ln>
             </p:spPr>
             <p:txBody>
-              <a:bodyPr vert="vert" wrap="none" lIns="45720" tIns="182880" rIns="45720" bIns="0" rtlCol="0">
+              <a:bodyPr vert="vert" wrap="none" lIns="45720" tIns="274320" rIns="45720" bIns="0" rtlCol="0">
                 <a:normAutofit/>
               </a:bodyPr>
               <a:lstStyle/>
@@ -4119,18 +4038,6 @@
                   </a:rPr>
                   <a:t>${tab_7_heading}</a:t>
                 </a:r>
-                <a:endParaRPr lang="pl-PL" sz="1000" u="sng" dirty="0" smtClean="0">
-                  <a:uFill>
-                    <a:solidFill>
-                      <a:schemeClr val="tx1">
-                        <a:lumMod val="50000"/>
-                        <a:lumOff val="50000"/>
-                      </a:schemeClr>
-                    </a:solidFill>
-                  </a:uFill>
-                  <a:latin typeface="Calibri Light" pitchFamily="34" charset="0"/>
-                  <a:cs typeface="Calibri Light" pitchFamily="34" charset="0"/>
-                </a:endParaRPr>
               </a:p>
               <a:p>
                 <a:r>
@@ -4140,10 +4047,6 @@
                   </a:rPr>
                   <a:t>${tab_7_line_1}</a:t>
                 </a:r>
-                <a:endParaRPr lang="pl-PL" sz="1000" dirty="0" smtClean="0">
-                  <a:latin typeface="Calibri Light" pitchFamily="34" charset="0"/>
-                  <a:cs typeface="Calibri Light" pitchFamily="34" charset="0"/>
-                </a:endParaRPr>
               </a:p>
               <a:p>
                 <a:r>
@@ -4194,7 +4097,7 @@
               </a:ln>
             </p:spPr>
             <p:txBody>
-              <a:bodyPr vert="vert" wrap="none" lIns="45720" tIns="182880" rIns="45720" bIns="0" rtlCol="0">
+              <a:bodyPr vert="vert" wrap="none" lIns="45720" tIns="274320" rIns="45720" bIns="0" rtlCol="0">
                 <a:normAutofit/>
               </a:bodyPr>
               <a:lstStyle/>
@@ -4214,18 +4117,6 @@
                   </a:rPr>
                   <a:t>${tab_6_heading}</a:t>
                 </a:r>
-                <a:endParaRPr lang="pl-PL" sz="1000" u="sng" dirty="0" smtClean="0">
-                  <a:uFill>
-                    <a:solidFill>
-                      <a:schemeClr val="tx1">
-                        <a:lumMod val="50000"/>
-                        <a:lumOff val="50000"/>
-                      </a:schemeClr>
-                    </a:solidFill>
-                  </a:uFill>
-                  <a:latin typeface="Calibri Light" pitchFamily="34" charset="0"/>
-                  <a:cs typeface="Calibri Light" pitchFamily="34" charset="0"/>
-                </a:endParaRPr>
               </a:p>
               <a:p>
                 <a:r>
@@ -4235,10 +4126,6 @@
                   </a:rPr>
                   <a:t>${tab_6_line_1}</a:t>
                 </a:r>
-                <a:endParaRPr lang="pl-PL" sz="1000" dirty="0" smtClean="0">
-                  <a:latin typeface="Calibri Light" pitchFamily="34" charset="0"/>
-                  <a:cs typeface="Calibri Light" pitchFamily="34" charset="0"/>
-                </a:endParaRPr>
               </a:p>
               <a:p>
                 <a:r>
@@ -4289,7 +4176,7 @@
               </a:ln>
             </p:spPr>
             <p:txBody>
-              <a:bodyPr vert="vert" wrap="none" lIns="45720" tIns="182880" rIns="45720" bIns="0" rtlCol="0">
+              <a:bodyPr vert="vert" wrap="none" lIns="45720" tIns="274320" rIns="45720" bIns="0" rtlCol="0">
                 <a:normAutofit/>
               </a:bodyPr>
               <a:lstStyle/>
@@ -4309,18 +4196,6 @@
                   </a:rPr>
                   <a:t>${tab_5_heading}</a:t>
                 </a:r>
-                <a:endParaRPr lang="pl-PL" sz="1000" u="sng" dirty="0" smtClean="0">
-                  <a:uFill>
-                    <a:solidFill>
-                      <a:schemeClr val="tx1">
-                        <a:lumMod val="50000"/>
-                        <a:lumOff val="50000"/>
-                      </a:schemeClr>
-                    </a:solidFill>
-                  </a:uFill>
-                  <a:latin typeface="Calibri Light" pitchFamily="34" charset="0"/>
-                  <a:cs typeface="Calibri Light" pitchFamily="34" charset="0"/>
-                </a:endParaRPr>
               </a:p>
               <a:p>
                 <a:r>
@@ -4330,10 +4205,6 @@
                   </a:rPr>
                   <a:t>${tab_5_line_1}</a:t>
                 </a:r>
-                <a:endParaRPr lang="pl-PL" sz="1000" dirty="0" smtClean="0">
-                  <a:latin typeface="Calibri Light" pitchFamily="34" charset="0"/>
-                  <a:cs typeface="Calibri Light" pitchFamily="34" charset="0"/>
-                </a:endParaRPr>
               </a:p>
               <a:p>
                 <a:r>
@@ -4384,7 +4255,7 @@
               </a:ln>
             </p:spPr>
             <p:txBody>
-              <a:bodyPr vert="vert" wrap="none" lIns="45720" tIns="182880" rIns="45720" bIns="0" rtlCol="0">
+              <a:bodyPr vert="vert" wrap="none" lIns="45720" tIns="274320" rIns="45720" bIns="0" rtlCol="0">
                 <a:normAutofit/>
               </a:bodyPr>
               <a:lstStyle/>
@@ -4404,18 +4275,6 @@
                   </a:rPr>
                   <a:t>${tab_4_heading}</a:t>
                 </a:r>
-                <a:endParaRPr lang="pl-PL" sz="1000" u="sng" dirty="0" smtClean="0">
-                  <a:uFill>
-                    <a:solidFill>
-                      <a:schemeClr val="tx1">
-                        <a:lumMod val="50000"/>
-                        <a:lumOff val="50000"/>
-                      </a:schemeClr>
-                    </a:solidFill>
-                  </a:uFill>
-                  <a:latin typeface="Calibri Light" pitchFamily="34" charset="0"/>
-                  <a:cs typeface="Calibri Light" pitchFamily="34" charset="0"/>
-                </a:endParaRPr>
               </a:p>
               <a:p>
                 <a:r>
@@ -4425,10 +4284,6 @@
                   </a:rPr>
                   <a:t>${tab_4_line_1}</a:t>
                 </a:r>
-                <a:endParaRPr lang="pl-PL" sz="1000" dirty="0" smtClean="0">
-                  <a:latin typeface="Calibri Light" pitchFamily="34" charset="0"/>
-                  <a:cs typeface="Calibri Light" pitchFamily="34" charset="0"/>
-                </a:endParaRPr>
               </a:p>
               <a:p>
                 <a:r>
@@ -4479,7 +4334,7 @@
               </a:ln>
             </p:spPr>
             <p:txBody>
-              <a:bodyPr vert="vert" wrap="none" lIns="45720" tIns="182880" rIns="45720" bIns="0" rtlCol="0">
+              <a:bodyPr vert="vert" wrap="none" lIns="45720" tIns="274320" rIns="45720" bIns="0" rtlCol="0">
                 <a:normAutofit/>
               </a:bodyPr>
               <a:lstStyle/>
@@ -4499,18 +4354,6 @@
                   </a:rPr>
                   <a:t>${tab_3_heading}</a:t>
                 </a:r>
-                <a:endParaRPr lang="pl-PL" sz="1000" u="sng" dirty="0" smtClean="0">
-                  <a:uFill>
-                    <a:solidFill>
-                      <a:schemeClr val="tx1">
-                        <a:lumMod val="50000"/>
-                        <a:lumOff val="50000"/>
-                      </a:schemeClr>
-                    </a:solidFill>
-                  </a:uFill>
-                  <a:latin typeface="Calibri Light" pitchFamily="34" charset="0"/>
-                  <a:cs typeface="Calibri Light" pitchFamily="34" charset="0"/>
-                </a:endParaRPr>
               </a:p>
               <a:p>
                 <a:r>
@@ -4520,10 +4363,6 @@
                   </a:rPr>
                   <a:t>${tab_3_line_1}</a:t>
                 </a:r>
-                <a:endParaRPr lang="pl-PL" sz="1000" dirty="0" smtClean="0">
-                  <a:latin typeface="Calibri Light" pitchFamily="34" charset="0"/>
-                  <a:cs typeface="Calibri Light" pitchFamily="34" charset="0"/>
-                </a:endParaRPr>
               </a:p>
               <a:p>
                 <a:r>
@@ -4574,7 +4413,7 @@
               </a:ln>
             </p:spPr>
             <p:txBody>
-              <a:bodyPr vert="vert" wrap="none" lIns="45720" tIns="182880" rIns="45720" bIns="0" rtlCol="0">
+              <a:bodyPr vert="vert" wrap="none" lIns="45720" tIns="274320" rIns="45720" bIns="0" rtlCol="0">
                 <a:normAutofit/>
               </a:bodyPr>
               <a:lstStyle/>
@@ -4594,18 +4433,6 @@
                   </a:rPr>
                   <a:t>${tab_2_heading}</a:t>
                 </a:r>
-                <a:endParaRPr lang="pl-PL" sz="1000" u="sng" dirty="0" smtClean="0">
-                  <a:uFill>
-                    <a:solidFill>
-                      <a:schemeClr val="tx1">
-                        <a:lumMod val="50000"/>
-                        <a:lumOff val="50000"/>
-                      </a:schemeClr>
-                    </a:solidFill>
-                  </a:uFill>
-                  <a:latin typeface="Calibri Light" pitchFamily="34" charset="0"/>
-                  <a:cs typeface="Calibri Light" pitchFamily="34" charset="0"/>
-                </a:endParaRPr>
               </a:p>
               <a:p>
                 <a:r>
@@ -4615,10 +4442,6 @@
                   </a:rPr>
                   <a:t>${tab_2_line_1}</a:t>
                 </a:r>
-                <a:endParaRPr lang="pl-PL" sz="1000" dirty="0" smtClean="0">
-                  <a:latin typeface="Calibri Light" pitchFamily="34" charset="0"/>
-                  <a:cs typeface="Calibri Light" pitchFamily="34" charset="0"/>
-                </a:endParaRPr>
               </a:p>
               <a:p>
                 <a:r>
@@ -4669,7 +4492,7 @@
               </a:ln>
             </p:spPr>
             <p:txBody>
-              <a:bodyPr vert="vert" wrap="none" lIns="45720" tIns="182880" rIns="45720" bIns="0" rtlCol="0">
+              <a:bodyPr vert="vert" wrap="none" lIns="45720" tIns="274320" rIns="45720" bIns="0" rtlCol="0">
                 <a:normAutofit/>
               </a:bodyPr>
               <a:lstStyle/>
@@ -4689,18 +4512,6 @@
                   </a:rPr>
                   <a:t>${tab_1_heading}</a:t>
                 </a:r>
-                <a:endParaRPr lang="pl-PL" sz="1000" u="sng" dirty="0" smtClean="0">
-                  <a:uFill>
-                    <a:solidFill>
-                      <a:schemeClr val="tx1">
-                        <a:lumMod val="50000"/>
-                        <a:lumOff val="50000"/>
-                      </a:schemeClr>
-                    </a:solidFill>
-                  </a:uFill>
-                  <a:latin typeface="Calibri Light" pitchFamily="34" charset="0"/>
-                  <a:cs typeface="Calibri Light" pitchFamily="34" charset="0"/>
-                </a:endParaRPr>
               </a:p>
               <a:p>
                 <a:r>
@@ -4710,10 +4521,6 @@
                   </a:rPr>
                   <a:t>${tab_1_line_1}</a:t>
                 </a:r>
-                <a:endParaRPr lang="pl-PL" sz="1000" dirty="0" smtClean="0">
-                  <a:latin typeface="Calibri Light" pitchFamily="34" charset="0"/>
-                  <a:cs typeface="Calibri Light" pitchFamily="34" charset="0"/>
-                </a:endParaRPr>
               </a:p>
               <a:p>
                 <a:r>
